--- a/ppt 16-9/0456.献给无名的传道.pptx
+++ b/ppt 16-9/0456.献给无名的传道.pptx
@@ -5,7 +5,7 @@
     <p:sldMasterId id="2147483648" r:id="rId1"/>
   </p:sldMasterIdLst>
   <p:sldIdLst>
-    <p:sldId id="2950" r:id="rId2"/>
+    <p:sldId id="2951" r:id="rId2"/>
   </p:sldIdLst>
   <p:sldSz cx="12192000" cy="6858000"/>
   <p:notesSz cx="6858000" cy="9144000"/>
@@ -129,7 +129,7 @@
           <p:cNvPr id="2" name="标题 1">
             <a:extLst>
               <a:ext uri="{FF2B5EF4-FFF2-40B4-BE49-F238E27FC236}">
-                <a16:creationId xmlns:a16="http://schemas.microsoft.com/office/drawing/2014/main" id="{5286BA31-F448-9B63-CDFD-1A09C88BC9F7}"/>
+                <a16:creationId xmlns:a16="http://schemas.microsoft.com/office/drawing/2014/main" id="{47DD2BD7-0D90-E699-3A2E-8E813D9E735C}"/>
               </a:ext>
             </a:extLst>
           </p:cNvPr>
@@ -166,7 +166,7 @@
           <p:cNvPr id="3" name="副标题 2">
             <a:extLst>
               <a:ext uri="{FF2B5EF4-FFF2-40B4-BE49-F238E27FC236}">
-                <a16:creationId xmlns:a16="http://schemas.microsoft.com/office/drawing/2014/main" id="{EF335718-7ADE-AD19-8D40-69536F5B4885}"/>
+                <a16:creationId xmlns:a16="http://schemas.microsoft.com/office/drawing/2014/main" id="{5B47B0E6-6BD5-A7F0-677A-5F4F48D643CD}"/>
               </a:ext>
             </a:extLst>
           </p:cNvPr>
@@ -236,7 +236,7 @@
           <p:cNvPr id="4" name="日期占位符 3">
             <a:extLst>
               <a:ext uri="{FF2B5EF4-FFF2-40B4-BE49-F238E27FC236}">
-                <a16:creationId xmlns:a16="http://schemas.microsoft.com/office/drawing/2014/main" id="{82C4A8D2-70D3-F153-3D18-4CB239527D61}"/>
+                <a16:creationId xmlns:a16="http://schemas.microsoft.com/office/drawing/2014/main" id="{CECFEB56-232E-86A0-F00D-68250999D4F2}"/>
               </a:ext>
             </a:extLst>
           </p:cNvPr>
@@ -252,7 +252,7 @@
           <a:bodyPr/>
           <a:lstStyle/>
           <a:p>
-            <a:fld id="{66846633-0E01-41C4-B6CE-CF45105F172D}" type="datetimeFigureOut">
+            <a:fld id="{540C14F8-E56C-4B48-BC40-9E6746E24A12}" type="datetimeFigureOut">
               <a:rPr lang="zh-CN" altLang="en-US" smtClean="0"/>
               <a:t>2024/3/10</a:t>
             </a:fld>
@@ -265,7 +265,7 @@
           <p:cNvPr id="5" name="页脚占位符 4">
             <a:extLst>
               <a:ext uri="{FF2B5EF4-FFF2-40B4-BE49-F238E27FC236}">
-                <a16:creationId xmlns:a16="http://schemas.microsoft.com/office/drawing/2014/main" id="{70821F4A-74E8-2434-21E8-E722C5526EA1}"/>
+                <a16:creationId xmlns:a16="http://schemas.microsoft.com/office/drawing/2014/main" id="{7550B13E-F013-960E-D002-AFD0851C5CA3}"/>
               </a:ext>
             </a:extLst>
           </p:cNvPr>
@@ -290,7 +290,7 @@
           <p:cNvPr id="6" name="灯片编号占位符 5">
             <a:extLst>
               <a:ext uri="{FF2B5EF4-FFF2-40B4-BE49-F238E27FC236}">
-                <a16:creationId xmlns:a16="http://schemas.microsoft.com/office/drawing/2014/main" id="{BFC7D749-A9CC-0435-9F8E-47545206D911}"/>
+                <a16:creationId xmlns:a16="http://schemas.microsoft.com/office/drawing/2014/main" id="{C9B47D8C-28F0-F251-037C-633D62A06750}"/>
               </a:ext>
             </a:extLst>
           </p:cNvPr>
@@ -306,7 +306,7 @@
           <a:bodyPr/>
           <a:lstStyle/>
           <a:p>
-            <a:fld id="{64AC0901-E978-4690-99E5-D383F0503CE9}" type="slidenum">
+            <a:fld id="{C0BEF2F8-42CC-48D7-88BA-B73F99EC0E67}" type="slidenum">
               <a:rPr lang="zh-CN" altLang="en-US" smtClean="0"/>
               <a:t>‹#›</a:t>
             </a:fld>
@@ -317,7 +317,7 @@
     </p:spTree>
     <p:extLst>
       <p:ext uri="{BB962C8B-B14F-4D97-AF65-F5344CB8AC3E}">
-        <p14:creationId xmlns:p14="http://schemas.microsoft.com/office/powerpoint/2010/main" val="3098844131"/>
+        <p14:creationId xmlns:p14="http://schemas.microsoft.com/office/powerpoint/2010/main" val="2846793491"/>
       </p:ext>
     </p:extLst>
   </p:cSld>
@@ -349,7 +349,7 @@
           <p:cNvPr id="2" name="标题 1">
             <a:extLst>
               <a:ext uri="{FF2B5EF4-FFF2-40B4-BE49-F238E27FC236}">
-                <a16:creationId xmlns:a16="http://schemas.microsoft.com/office/drawing/2014/main" id="{FB4AE46A-F891-E6E1-A121-C3F02E9994DE}"/>
+                <a16:creationId xmlns:a16="http://schemas.microsoft.com/office/drawing/2014/main" id="{55564ABB-8136-3C6E-2D60-45B5C342021A}"/>
               </a:ext>
             </a:extLst>
           </p:cNvPr>
@@ -377,7 +377,7 @@
           <p:cNvPr id="3" name="竖排文字占位符 2">
             <a:extLst>
               <a:ext uri="{FF2B5EF4-FFF2-40B4-BE49-F238E27FC236}">
-                <a16:creationId xmlns:a16="http://schemas.microsoft.com/office/drawing/2014/main" id="{B9385287-39EE-DA49-F89B-DD673252F658}"/>
+                <a16:creationId xmlns:a16="http://schemas.microsoft.com/office/drawing/2014/main" id="{5230BC01-8645-CCB1-458F-46071AE4EEE1}"/>
               </a:ext>
             </a:extLst>
           </p:cNvPr>
@@ -434,7 +434,7 @@
           <p:cNvPr id="4" name="日期占位符 3">
             <a:extLst>
               <a:ext uri="{FF2B5EF4-FFF2-40B4-BE49-F238E27FC236}">
-                <a16:creationId xmlns:a16="http://schemas.microsoft.com/office/drawing/2014/main" id="{B71812C7-EF93-1FFC-E457-074575B5CFB6}"/>
+                <a16:creationId xmlns:a16="http://schemas.microsoft.com/office/drawing/2014/main" id="{84B61846-A8E8-17B9-1C39-19FD53BA6751}"/>
               </a:ext>
             </a:extLst>
           </p:cNvPr>
@@ -450,7 +450,7 @@
           <a:bodyPr/>
           <a:lstStyle/>
           <a:p>
-            <a:fld id="{66846633-0E01-41C4-B6CE-CF45105F172D}" type="datetimeFigureOut">
+            <a:fld id="{540C14F8-E56C-4B48-BC40-9E6746E24A12}" type="datetimeFigureOut">
               <a:rPr lang="zh-CN" altLang="en-US" smtClean="0"/>
               <a:t>2024/3/10</a:t>
             </a:fld>
@@ -463,7 +463,7 @@
           <p:cNvPr id="5" name="页脚占位符 4">
             <a:extLst>
               <a:ext uri="{FF2B5EF4-FFF2-40B4-BE49-F238E27FC236}">
-                <a16:creationId xmlns:a16="http://schemas.microsoft.com/office/drawing/2014/main" id="{C3F3DE98-B409-EC3B-8095-9C8D47BE2E77}"/>
+                <a16:creationId xmlns:a16="http://schemas.microsoft.com/office/drawing/2014/main" id="{98B0F07A-0FCA-6D0F-FCCC-DD534ADE36E2}"/>
               </a:ext>
             </a:extLst>
           </p:cNvPr>
@@ -488,7 +488,7 @@
           <p:cNvPr id="6" name="灯片编号占位符 5">
             <a:extLst>
               <a:ext uri="{FF2B5EF4-FFF2-40B4-BE49-F238E27FC236}">
-                <a16:creationId xmlns:a16="http://schemas.microsoft.com/office/drawing/2014/main" id="{BD2AF083-5510-EF89-74CE-C59B58E9B53A}"/>
+                <a16:creationId xmlns:a16="http://schemas.microsoft.com/office/drawing/2014/main" id="{222A6433-87F3-509D-7D4B-3B99B8EBDD76}"/>
               </a:ext>
             </a:extLst>
           </p:cNvPr>
@@ -504,7 +504,7 @@
           <a:bodyPr/>
           <a:lstStyle/>
           <a:p>
-            <a:fld id="{64AC0901-E978-4690-99E5-D383F0503CE9}" type="slidenum">
+            <a:fld id="{C0BEF2F8-42CC-48D7-88BA-B73F99EC0E67}" type="slidenum">
               <a:rPr lang="zh-CN" altLang="en-US" smtClean="0"/>
               <a:t>‹#›</a:t>
             </a:fld>
@@ -515,7 +515,7 @@
     </p:spTree>
     <p:extLst>
       <p:ext uri="{BB962C8B-B14F-4D97-AF65-F5344CB8AC3E}">
-        <p14:creationId xmlns:p14="http://schemas.microsoft.com/office/powerpoint/2010/main" val="3908028394"/>
+        <p14:creationId xmlns:p14="http://schemas.microsoft.com/office/powerpoint/2010/main" val="3765407213"/>
       </p:ext>
     </p:extLst>
   </p:cSld>
@@ -547,7 +547,7 @@
           <p:cNvPr id="2" name="竖排标题 1">
             <a:extLst>
               <a:ext uri="{FF2B5EF4-FFF2-40B4-BE49-F238E27FC236}">
-                <a16:creationId xmlns:a16="http://schemas.microsoft.com/office/drawing/2014/main" id="{7D0DE696-0E60-CD14-A4C5-ECE2D27972A0}"/>
+                <a16:creationId xmlns:a16="http://schemas.microsoft.com/office/drawing/2014/main" id="{24395881-D14B-2C16-086D-6BB1A028CEDA}"/>
               </a:ext>
             </a:extLst>
           </p:cNvPr>
@@ -580,7 +580,7 @@
           <p:cNvPr id="3" name="竖排文字占位符 2">
             <a:extLst>
               <a:ext uri="{FF2B5EF4-FFF2-40B4-BE49-F238E27FC236}">
-                <a16:creationId xmlns:a16="http://schemas.microsoft.com/office/drawing/2014/main" id="{99536EFA-75B3-454F-1BAA-49C3E5309EE2}"/>
+                <a16:creationId xmlns:a16="http://schemas.microsoft.com/office/drawing/2014/main" id="{DB94B30D-10AD-C19E-313B-1A9F2680235E}"/>
               </a:ext>
             </a:extLst>
           </p:cNvPr>
@@ -642,7 +642,7 @@
           <p:cNvPr id="4" name="日期占位符 3">
             <a:extLst>
               <a:ext uri="{FF2B5EF4-FFF2-40B4-BE49-F238E27FC236}">
-                <a16:creationId xmlns:a16="http://schemas.microsoft.com/office/drawing/2014/main" id="{89509492-8464-AD15-4695-358EC96C2521}"/>
+                <a16:creationId xmlns:a16="http://schemas.microsoft.com/office/drawing/2014/main" id="{78C101EA-3C87-100F-A35C-939EF5E3E758}"/>
               </a:ext>
             </a:extLst>
           </p:cNvPr>
@@ -658,7 +658,7 @@
           <a:bodyPr/>
           <a:lstStyle/>
           <a:p>
-            <a:fld id="{66846633-0E01-41C4-B6CE-CF45105F172D}" type="datetimeFigureOut">
+            <a:fld id="{540C14F8-E56C-4B48-BC40-9E6746E24A12}" type="datetimeFigureOut">
               <a:rPr lang="zh-CN" altLang="en-US" smtClean="0"/>
               <a:t>2024/3/10</a:t>
             </a:fld>
@@ -671,7 +671,7 @@
           <p:cNvPr id="5" name="页脚占位符 4">
             <a:extLst>
               <a:ext uri="{FF2B5EF4-FFF2-40B4-BE49-F238E27FC236}">
-                <a16:creationId xmlns:a16="http://schemas.microsoft.com/office/drawing/2014/main" id="{5128459D-481D-81E9-6539-59B8D2920051}"/>
+                <a16:creationId xmlns:a16="http://schemas.microsoft.com/office/drawing/2014/main" id="{02F5788E-BD68-D1B9-4043-3D9A96BB3FF7}"/>
               </a:ext>
             </a:extLst>
           </p:cNvPr>
@@ -696,7 +696,7 @@
           <p:cNvPr id="6" name="灯片编号占位符 5">
             <a:extLst>
               <a:ext uri="{FF2B5EF4-FFF2-40B4-BE49-F238E27FC236}">
-                <a16:creationId xmlns:a16="http://schemas.microsoft.com/office/drawing/2014/main" id="{0C389418-C54B-3CCB-3A7D-9C7A0011846E}"/>
+                <a16:creationId xmlns:a16="http://schemas.microsoft.com/office/drawing/2014/main" id="{B469217D-627D-F26A-524B-62F35A705F0F}"/>
               </a:ext>
             </a:extLst>
           </p:cNvPr>
@@ -712,7 +712,7 @@
           <a:bodyPr/>
           <a:lstStyle/>
           <a:p>
-            <a:fld id="{64AC0901-E978-4690-99E5-D383F0503CE9}" type="slidenum">
+            <a:fld id="{C0BEF2F8-42CC-48D7-88BA-B73F99EC0E67}" type="slidenum">
               <a:rPr lang="zh-CN" altLang="en-US" smtClean="0"/>
               <a:t>‹#›</a:t>
             </a:fld>
@@ -723,7 +723,7 @@
     </p:spTree>
     <p:extLst>
       <p:ext uri="{BB962C8B-B14F-4D97-AF65-F5344CB8AC3E}">
-        <p14:creationId xmlns:p14="http://schemas.microsoft.com/office/powerpoint/2010/main" val="1735521930"/>
+        <p14:creationId xmlns:p14="http://schemas.microsoft.com/office/powerpoint/2010/main" val="3533895412"/>
       </p:ext>
     </p:extLst>
   </p:cSld>
@@ -755,7 +755,7 @@
           <p:cNvPr id="2" name="标题 1">
             <a:extLst>
               <a:ext uri="{FF2B5EF4-FFF2-40B4-BE49-F238E27FC236}">
-                <a16:creationId xmlns:a16="http://schemas.microsoft.com/office/drawing/2014/main" id="{B1ACA628-0032-0331-2B10-735467638847}"/>
+                <a16:creationId xmlns:a16="http://schemas.microsoft.com/office/drawing/2014/main" id="{65BE8D0B-FF61-21A0-DCE2-59A29235C5FB}"/>
               </a:ext>
             </a:extLst>
           </p:cNvPr>
@@ -783,7 +783,7 @@
           <p:cNvPr id="3" name="内容占位符 2">
             <a:extLst>
               <a:ext uri="{FF2B5EF4-FFF2-40B4-BE49-F238E27FC236}">
-                <a16:creationId xmlns:a16="http://schemas.microsoft.com/office/drawing/2014/main" id="{16C5A734-48AD-2F90-F724-A94D638BF712}"/>
+                <a16:creationId xmlns:a16="http://schemas.microsoft.com/office/drawing/2014/main" id="{EE0EDCC8-5225-F47A-AD54-32ADB7D6A6B9}"/>
               </a:ext>
             </a:extLst>
           </p:cNvPr>
@@ -840,7 +840,7 @@
           <p:cNvPr id="4" name="日期占位符 3">
             <a:extLst>
               <a:ext uri="{FF2B5EF4-FFF2-40B4-BE49-F238E27FC236}">
-                <a16:creationId xmlns:a16="http://schemas.microsoft.com/office/drawing/2014/main" id="{B9343D02-A2A8-E64A-8775-19ED120E0FB1}"/>
+                <a16:creationId xmlns:a16="http://schemas.microsoft.com/office/drawing/2014/main" id="{6176DF68-6241-1717-2162-94CB4783548F}"/>
               </a:ext>
             </a:extLst>
           </p:cNvPr>
@@ -856,7 +856,7 @@
           <a:bodyPr/>
           <a:lstStyle/>
           <a:p>
-            <a:fld id="{66846633-0E01-41C4-B6CE-CF45105F172D}" type="datetimeFigureOut">
+            <a:fld id="{540C14F8-E56C-4B48-BC40-9E6746E24A12}" type="datetimeFigureOut">
               <a:rPr lang="zh-CN" altLang="en-US" smtClean="0"/>
               <a:t>2024/3/10</a:t>
             </a:fld>
@@ -869,7 +869,7 @@
           <p:cNvPr id="5" name="页脚占位符 4">
             <a:extLst>
               <a:ext uri="{FF2B5EF4-FFF2-40B4-BE49-F238E27FC236}">
-                <a16:creationId xmlns:a16="http://schemas.microsoft.com/office/drawing/2014/main" id="{BDADD3CB-6FBA-6D4F-4A7E-DE0D94DE68A3}"/>
+                <a16:creationId xmlns:a16="http://schemas.microsoft.com/office/drawing/2014/main" id="{E63EDA5B-8F00-861F-355D-9BF1AFB9E9CD}"/>
               </a:ext>
             </a:extLst>
           </p:cNvPr>
@@ -894,7 +894,7 @@
           <p:cNvPr id="6" name="灯片编号占位符 5">
             <a:extLst>
               <a:ext uri="{FF2B5EF4-FFF2-40B4-BE49-F238E27FC236}">
-                <a16:creationId xmlns:a16="http://schemas.microsoft.com/office/drawing/2014/main" id="{B9E72017-9CC0-A786-B9AD-57B71B8B8AE0}"/>
+                <a16:creationId xmlns:a16="http://schemas.microsoft.com/office/drawing/2014/main" id="{C1CA2396-3609-690C-2375-9E429FEF5BFD}"/>
               </a:ext>
             </a:extLst>
           </p:cNvPr>
@@ -910,7 +910,7 @@
           <a:bodyPr/>
           <a:lstStyle/>
           <a:p>
-            <a:fld id="{64AC0901-E978-4690-99E5-D383F0503CE9}" type="slidenum">
+            <a:fld id="{C0BEF2F8-42CC-48D7-88BA-B73F99EC0E67}" type="slidenum">
               <a:rPr lang="zh-CN" altLang="en-US" smtClean="0"/>
               <a:t>‹#›</a:t>
             </a:fld>
@@ -921,7 +921,7 @@
     </p:spTree>
     <p:extLst>
       <p:ext uri="{BB962C8B-B14F-4D97-AF65-F5344CB8AC3E}">
-        <p14:creationId xmlns:p14="http://schemas.microsoft.com/office/powerpoint/2010/main" val="3205673779"/>
+        <p14:creationId xmlns:p14="http://schemas.microsoft.com/office/powerpoint/2010/main" val="72900652"/>
       </p:ext>
     </p:extLst>
   </p:cSld>
@@ -953,7 +953,7 @@
           <p:cNvPr id="2" name="标题 1">
             <a:extLst>
               <a:ext uri="{FF2B5EF4-FFF2-40B4-BE49-F238E27FC236}">
-                <a16:creationId xmlns:a16="http://schemas.microsoft.com/office/drawing/2014/main" id="{AA9BCE02-061D-53C0-A720-03CE87356DF8}"/>
+                <a16:creationId xmlns:a16="http://schemas.microsoft.com/office/drawing/2014/main" id="{91D4BC87-F5ED-AFED-DB18-748C102729FC}"/>
               </a:ext>
             </a:extLst>
           </p:cNvPr>
@@ -990,7 +990,7 @@
           <p:cNvPr id="3" name="文本占位符 2">
             <a:extLst>
               <a:ext uri="{FF2B5EF4-FFF2-40B4-BE49-F238E27FC236}">
-                <a16:creationId xmlns:a16="http://schemas.microsoft.com/office/drawing/2014/main" id="{80334927-330B-5516-2571-3DDBF1F97532}"/>
+                <a16:creationId xmlns:a16="http://schemas.microsoft.com/office/drawing/2014/main" id="{F34248B7-BA01-6686-4DF1-431E35249A87}"/>
               </a:ext>
             </a:extLst>
           </p:cNvPr>
@@ -1115,7 +1115,7 @@
           <p:cNvPr id="4" name="日期占位符 3">
             <a:extLst>
               <a:ext uri="{FF2B5EF4-FFF2-40B4-BE49-F238E27FC236}">
-                <a16:creationId xmlns:a16="http://schemas.microsoft.com/office/drawing/2014/main" id="{E7A4DE0E-93BC-29A1-85A6-0440E470645A}"/>
+                <a16:creationId xmlns:a16="http://schemas.microsoft.com/office/drawing/2014/main" id="{98FC078E-61BB-5A4D-729C-B3DEC2EE60BF}"/>
               </a:ext>
             </a:extLst>
           </p:cNvPr>
@@ -1131,7 +1131,7 @@
           <a:bodyPr/>
           <a:lstStyle/>
           <a:p>
-            <a:fld id="{66846633-0E01-41C4-B6CE-CF45105F172D}" type="datetimeFigureOut">
+            <a:fld id="{540C14F8-E56C-4B48-BC40-9E6746E24A12}" type="datetimeFigureOut">
               <a:rPr lang="zh-CN" altLang="en-US" smtClean="0"/>
               <a:t>2024/3/10</a:t>
             </a:fld>
@@ -1144,7 +1144,7 @@
           <p:cNvPr id="5" name="页脚占位符 4">
             <a:extLst>
               <a:ext uri="{FF2B5EF4-FFF2-40B4-BE49-F238E27FC236}">
-                <a16:creationId xmlns:a16="http://schemas.microsoft.com/office/drawing/2014/main" id="{F5AFB129-5FE0-8576-E550-597A9041BCD1}"/>
+                <a16:creationId xmlns:a16="http://schemas.microsoft.com/office/drawing/2014/main" id="{56B051E4-4C21-E7EB-288B-31ADA4232F13}"/>
               </a:ext>
             </a:extLst>
           </p:cNvPr>
@@ -1169,7 +1169,7 @@
           <p:cNvPr id="6" name="灯片编号占位符 5">
             <a:extLst>
               <a:ext uri="{FF2B5EF4-FFF2-40B4-BE49-F238E27FC236}">
-                <a16:creationId xmlns:a16="http://schemas.microsoft.com/office/drawing/2014/main" id="{82A931C8-A755-DD34-11A7-C531AA74952D}"/>
+                <a16:creationId xmlns:a16="http://schemas.microsoft.com/office/drawing/2014/main" id="{378992F1-7342-B8E0-D138-7461AF2BA442}"/>
               </a:ext>
             </a:extLst>
           </p:cNvPr>
@@ -1185,7 +1185,7 @@
           <a:bodyPr/>
           <a:lstStyle/>
           <a:p>
-            <a:fld id="{64AC0901-E978-4690-99E5-D383F0503CE9}" type="slidenum">
+            <a:fld id="{C0BEF2F8-42CC-48D7-88BA-B73F99EC0E67}" type="slidenum">
               <a:rPr lang="zh-CN" altLang="en-US" smtClean="0"/>
               <a:t>‹#›</a:t>
             </a:fld>
@@ -1196,7 +1196,7 @@
     </p:spTree>
     <p:extLst>
       <p:ext uri="{BB962C8B-B14F-4D97-AF65-F5344CB8AC3E}">
-        <p14:creationId xmlns:p14="http://schemas.microsoft.com/office/powerpoint/2010/main" val="2124730037"/>
+        <p14:creationId xmlns:p14="http://schemas.microsoft.com/office/powerpoint/2010/main" val="2967503433"/>
       </p:ext>
     </p:extLst>
   </p:cSld>
@@ -1228,7 +1228,7 @@
           <p:cNvPr id="2" name="标题 1">
             <a:extLst>
               <a:ext uri="{FF2B5EF4-FFF2-40B4-BE49-F238E27FC236}">
-                <a16:creationId xmlns:a16="http://schemas.microsoft.com/office/drawing/2014/main" id="{2ED52320-26CD-4676-3D07-CFBEC91A4D7B}"/>
+                <a16:creationId xmlns:a16="http://schemas.microsoft.com/office/drawing/2014/main" id="{9156A567-47C1-A20F-754A-A4B8E6CB0013}"/>
               </a:ext>
             </a:extLst>
           </p:cNvPr>
@@ -1256,7 +1256,7 @@
           <p:cNvPr id="3" name="内容占位符 2">
             <a:extLst>
               <a:ext uri="{FF2B5EF4-FFF2-40B4-BE49-F238E27FC236}">
-                <a16:creationId xmlns:a16="http://schemas.microsoft.com/office/drawing/2014/main" id="{34E876A5-36BB-5519-A950-FC838CB4EBA1}"/>
+                <a16:creationId xmlns:a16="http://schemas.microsoft.com/office/drawing/2014/main" id="{E960BD19-A7C7-AD15-CF91-E69EAF551CB3}"/>
               </a:ext>
             </a:extLst>
           </p:cNvPr>
@@ -1318,7 +1318,7 @@
           <p:cNvPr id="4" name="内容占位符 3">
             <a:extLst>
               <a:ext uri="{FF2B5EF4-FFF2-40B4-BE49-F238E27FC236}">
-                <a16:creationId xmlns:a16="http://schemas.microsoft.com/office/drawing/2014/main" id="{C29B8DE4-C837-79BA-EAFA-559AB4C565D9}"/>
+                <a16:creationId xmlns:a16="http://schemas.microsoft.com/office/drawing/2014/main" id="{CCC4CF52-B406-49C6-0B1C-F93888304A81}"/>
               </a:ext>
             </a:extLst>
           </p:cNvPr>
@@ -1380,7 +1380,7 @@
           <p:cNvPr id="5" name="日期占位符 4">
             <a:extLst>
               <a:ext uri="{FF2B5EF4-FFF2-40B4-BE49-F238E27FC236}">
-                <a16:creationId xmlns:a16="http://schemas.microsoft.com/office/drawing/2014/main" id="{BCD89690-85E6-94B6-2D71-E95779B88AC1}"/>
+                <a16:creationId xmlns:a16="http://schemas.microsoft.com/office/drawing/2014/main" id="{1B9FF195-9A39-E049-8F33-9EE9094FACE1}"/>
               </a:ext>
             </a:extLst>
           </p:cNvPr>
@@ -1396,7 +1396,7 @@
           <a:bodyPr/>
           <a:lstStyle/>
           <a:p>
-            <a:fld id="{66846633-0E01-41C4-B6CE-CF45105F172D}" type="datetimeFigureOut">
+            <a:fld id="{540C14F8-E56C-4B48-BC40-9E6746E24A12}" type="datetimeFigureOut">
               <a:rPr lang="zh-CN" altLang="en-US" smtClean="0"/>
               <a:t>2024/3/10</a:t>
             </a:fld>
@@ -1409,7 +1409,7 @@
           <p:cNvPr id="6" name="页脚占位符 5">
             <a:extLst>
               <a:ext uri="{FF2B5EF4-FFF2-40B4-BE49-F238E27FC236}">
-                <a16:creationId xmlns:a16="http://schemas.microsoft.com/office/drawing/2014/main" id="{05B07CE0-981C-11C4-B59A-92804851CD8F}"/>
+                <a16:creationId xmlns:a16="http://schemas.microsoft.com/office/drawing/2014/main" id="{FCC16E36-5CDC-D5D1-5267-9424F88106F4}"/>
               </a:ext>
             </a:extLst>
           </p:cNvPr>
@@ -1434,7 +1434,7 @@
           <p:cNvPr id="7" name="灯片编号占位符 6">
             <a:extLst>
               <a:ext uri="{FF2B5EF4-FFF2-40B4-BE49-F238E27FC236}">
-                <a16:creationId xmlns:a16="http://schemas.microsoft.com/office/drawing/2014/main" id="{9FEA93C8-985A-DD5C-5A27-6F1CAD4E1B03}"/>
+                <a16:creationId xmlns:a16="http://schemas.microsoft.com/office/drawing/2014/main" id="{582F59D3-0F29-1A77-88A4-D346AD0F56EB}"/>
               </a:ext>
             </a:extLst>
           </p:cNvPr>
@@ -1450,7 +1450,7 @@
           <a:bodyPr/>
           <a:lstStyle/>
           <a:p>
-            <a:fld id="{64AC0901-E978-4690-99E5-D383F0503CE9}" type="slidenum">
+            <a:fld id="{C0BEF2F8-42CC-48D7-88BA-B73F99EC0E67}" type="slidenum">
               <a:rPr lang="zh-CN" altLang="en-US" smtClean="0"/>
               <a:t>‹#›</a:t>
             </a:fld>
@@ -1461,7 +1461,7 @@
     </p:spTree>
     <p:extLst>
       <p:ext uri="{BB962C8B-B14F-4D97-AF65-F5344CB8AC3E}">
-        <p14:creationId xmlns:p14="http://schemas.microsoft.com/office/powerpoint/2010/main" val="2450837036"/>
+        <p14:creationId xmlns:p14="http://schemas.microsoft.com/office/powerpoint/2010/main" val="470428140"/>
       </p:ext>
     </p:extLst>
   </p:cSld>
@@ -1493,7 +1493,7 @@
           <p:cNvPr id="2" name="标题 1">
             <a:extLst>
               <a:ext uri="{FF2B5EF4-FFF2-40B4-BE49-F238E27FC236}">
-                <a16:creationId xmlns:a16="http://schemas.microsoft.com/office/drawing/2014/main" id="{CE38E756-A17D-FB23-B9FA-5BC3CE5C5782}"/>
+                <a16:creationId xmlns:a16="http://schemas.microsoft.com/office/drawing/2014/main" id="{70D0CD1C-9285-E390-C393-301A105675B0}"/>
               </a:ext>
             </a:extLst>
           </p:cNvPr>
@@ -1526,7 +1526,7 @@
           <p:cNvPr id="3" name="文本占位符 2">
             <a:extLst>
               <a:ext uri="{FF2B5EF4-FFF2-40B4-BE49-F238E27FC236}">
-                <a16:creationId xmlns:a16="http://schemas.microsoft.com/office/drawing/2014/main" id="{C74C0811-1990-5B7E-5563-FA10C868DDA5}"/>
+                <a16:creationId xmlns:a16="http://schemas.microsoft.com/office/drawing/2014/main" id="{E8E12D1E-7C15-78FB-1B67-C9C0371093C3}"/>
               </a:ext>
             </a:extLst>
           </p:cNvPr>
@@ -1597,7 +1597,7 @@
           <p:cNvPr id="4" name="内容占位符 3">
             <a:extLst>
               <a:ext uri="{FF2B5EF4-FFF2-40B4-BE49-F238E27FC236}">
-                <a16:creationId xmlns:a16="http://schemas.microsoft.com/office/drawing/2014/main" id="{3A2985D3-9AE3-5B46-97AC-C6D4C37FBD29}"/>
+                <a16:creationId xmlns:a16="http://schemas.microsoft.com/office/drawing/2014/main" id="{67647B4A-F552-5BE5-0793-0F323249E9CF}"/>
               </a:ext>
             </a:extLst>
           </p:cNvPr>
@@ -1659,7 +1659,7 @@
           <p:cNvPr id="5" name="文本占位符 4">
             <a:extLst>
               <a:ext uri="{FF2B5EF4-FFF2-40B4-BE49-F238E27FC236}">
-                <a16:creationId xmlns:a16="http://schemas.microsoft.com/office/drawing/2014/main" id="{A7FC407D-8EB5-C8A9-6349-5CECD727879B}"/>
+                <a16:creationId xmlns:a16="http://schemas.microsoft.com/office/drawing/2014/main" id="{6BFBB331-4B22-2EE6-9786-3905FD65478B}"/>
               </a:ext>
             </a:extLst>
           </p:cNvPr>
@@ -1730,7 +1730,7 @@
           <p:cNvPr id="6" name="内容占位符 5">
             <a:extLst>
               <a:ext uri="{FF2B5EF4-FFF2-40B4-BE49-F238E27FC236}">
-                <a16:creationId xmlns:a16="http://schemas.microsoft.com/office/drawing/2014/main" id="{DFD5691E-E1FB-52CA-11CB-1E61A23DEB3E}"/>
+                <a16:creationId xmlns:a16="http://schemas.microsoft.com/office/drawing/2014/main" id="{6408B2B1-2C76-995E-2FBE-964CF86F24B6}"/>
               </a:ext>
             </a:extLst>
           </p:cNvPr>
@@ -1792,7 +1792,7 @@
           <p:cNvPr id="7" name="日期占位符 6">
             <a:extLst>
               <a:ext uri="{FF2B5EF4-FFF2-40B4-BE49-F238E27FC236}">
-                <a16:creationId xmlns:a16="http://schemas.microsoft.com/office/drawing/2014/main" id="{DF1DE332-4CE9-746F-B9EE-9408C41D0A3A}"/>
+                <a16:creationId xmlns:a16="http://schemas.microsoft.com/office/drawing/2014/main" id="{6543DADC-B8A2-CC6B-0F82-7999C94C1E79}"/>
               </a:ext>
             </a:extLst>
           </p:cNvPr>
@@ -1808,7 +1808,7 @@
           <a:bodyPr/>
           <a:lstStyle/>
           <a:p>
-            <a:fld id="{66846633-0E01-41C4-B6CE-CF45105F172D}" type="datetimeFigureOut">
+            <a:fld id="{540C14F8-E56C-4B48-BC40-9E6746E24A12}" type="datetimeFigureOut">
               <a:rPr lang="zh-CN" altLang="en-US" smtClean="0"/>
               <a:t>2024/3/10</a:t>
             </a:fld>
@@ -1821,7 +1821,7 @@
           <p:cNvPr id="8" name="页脚占位符 7">
             <a:extLst>
               <a:ext uri="{FF2B5EF4-FFF2-40B4-BE49-F238E27FC236}">
-                <a16:creationId xmlns:a16="http://schemas.microsoft.com/office/drawing/2014/main" id="{986E0E4D-D1C4-E294-8E1B-74FF5EEE76A0}"/>
+                <a16:creationId xmlns:a16="http://schemas.microsoft.com/office/drawing/2014/main" id="{C4C2DA73-0438-B4C1-209E-0717094A96CE}"/>
               </a:ext>
             </a:extLst>
           </p:cNvPr>
@@ -1846,7 +1846,7 @@
           <p:cNvPr id="9" name="灯片编号占位符 8">
             <a:extLst>
               <a:ext uri="{FF2B5EF4-FFF2-40B4-BE49-F238E27FC236}">
-                <a16:creationId xmlns:a16="http://schemas.microsoft.com/office/drawing/2014/main" id="{3B94A2D2-2BFF-A0B5-2918-738D2E16A5D4}"/>
+                <a16:creationId xmlns:a16="http://schemas.microsoft.com/office/drawing/2014/main" id="{53FE5E15-40BE-60C1-457A-55E545F739E5}"/>
               </a:ext>
             </a:extLst>
           </p:cNvPr>
@@ -1862,7 +1862,7 @@
           <a:bodyPr/>
           <a:lstStyle/>
           <a:p>
-            <a:fld id="{64AC0901-E978-4690-99E5-D383F0503CE9}" type="slidenum">
+            <a:fld id="{C0BEF2F8-42CC-48D7-88BA-B73F99EC0E67}" type="slidenum">
               <a:rPr lang="zh-CN" altLang="en-US" smtClean="0"/>
               <a:t>‹#›</a:t>
             </a:fld>
@@ -1873,7 +1873,7 @@
     </p:spTree>
     <p:extLst>
       <p:ext uri="{BB962C8B-B14F-4D97-AF65-F5344CB8AC3E}">
-        <p14:creationId xmlns:p14="http://schemas.microsoft.com/office/powerpoint/2010/main" val="2382657900"/>
+        <p14:creationId xmlns:p14="http://schemas.microsoft.com/office/powerpoint/2010/main" val="275839424"/>
       </p:ext>
     </p:extLst>
   </p:cSld>
@@ -1905,7 +1905,7 @@
           <p:cNvPr id="2" name="标题 1">
             <a:extLst>
               <a:ext uri="{FF2B5EF4-FFF2-40B4-BE49-F238E27FC236}">
-                <a16:creationId xmlns:a16="http://schemas.microsoft.com/office/drawing/2014/main" id="{28A73E26-11F4-A220-658E-8EE1219542D7}"/>
+                <a16:creationId xmlns:a16="http://schemas.microsoft.com/office/drawing/2014/main" id="{7DF31FE8-7A81-3CE5-2068-A0BB758BD647}"/>
               </a:ext>
             </a:extLst>
           </p:cNvPr>
@@ -1933,7 +1933,7 @@
           <p:cNvPr id="3" name="日期占位符 2">
             <a:extLst>
               <a:ext uri="{FF2B5EF4-FFF2-40B4-BE49-F238E27FC236}">
-                <a16:creationId xmlns:a16="http://schemas.microsoft.com/office/drawing/2014/main" id="{B8F570A9-2F66-D4FB-0A3C-6CD36553E040}"/>
+                <a16:creationId xmlns:a16="http://schemas.microsoft.com/office/drawing/2014/main" id="{7B5C937E-FAD0-833D-0DFD-FBD99A7D0EBA}"/>
               </a:ext>
             </a:extLst>
           </p:cNvPr>
@@ -1949,7 +1949,7 @@
           <a:bodyPr/>
           <a:lstStyle/>
           <a:p>
-            <a:fld id="{66846633-0E01-41C4-B6CE-CF45105F172D}" type="datetimeFigureOut">
+            <a:fld id="{540C14F8-E56C-4B48-BC40-9E6746E24A12}" type="datetimeFigureOut">
               <a:rPr lang="zh-CN" altLang="en-US" smtClean="0"/>
               <a:t>2024/3/10</a:t>
             </a:fld>
@@ -1962,7 +1962,7 @@
           <p:cNvPr id="4" name="页脚占位符 3">
             <a:extLst>
               <a:ext uri="{FF2B5EF4-FFF2-40B4-BE49-F238E27FC236}">
-                <a16:creationId xmlns:a16="http://schemas.microsoft.com/office/drawing/2014/main" id="{F41D6955-FFD0-6F24-4DA2-3FCE0369DFA4}"/>
+                <a16:creationId xmlns:a16="http://schemas.microsoft.com/office/drawing/2014/main" id="{D09C29A0-80A7-8840-66EC-4E6A887AA6C0}"/>
               </a:ext>
             </a:extLst>
           </p:cNvPr>
@@ -1987,7 +1987,7 @@
           <p:cNvPr id="5" name="灯片编号占位符 4">
             <a:extLst>
               <a:ext uri="{FF2B5EF4-FFF2-40B4-BE49-F238E27FC236}">
-                <a16:creationId xmlns:a16="http://schemas.microsoft.com/office/drawing/2014/main" id="{6914C754-C53D-A7AD-1A46-92088B2E1683}"/>
+                <a16:creationId xmlns:a16="http://schemas.microsoft.com/office/drawing/2014/main" id="{659BB98A-7E02-CB78-545A-EA973E766D76}"/>
               </a:ext>
             </a:extLst>
           </p:cNvPr>
@@ -2003,7 +2003,7 @@
           <a:bodyPr/>
           <a:lstStyle/>
           <a:p>
-            <a:fld id="{64AC0901-E978-4690-99E5-D383F0503CE9}" type="slidenum">
+            <a:fld id="{C0BEF2F8-42CC-48D7-88BA-B73F99EC0E67}" type="slidenum">
               <a:rPr lang="zh-CN" altLang="en-US" smtClean="0"/>
               <a:t>‹#›</a:t>
             </a:fld>
@@ -2014,7 +2014,7 @@
     </p:spTree>
     <p:extLst>
       <p:ext uri="{BB962C8B-B14F-4D97-AF65-F5344CB8AC3E}">
-        <p14:creationId xmlns:p14="http://schemas.microsoft.com/office/powerpoint/2010/main" val="612816482"/>
+        <p14:creationId xmlns:p14="http://schemas.microsoft.com/office/powerpoint/2010/main" val="3210665144"/>
       </p:ext>
     </p:extLst>
   </p:cSld>
@@ -2046,7 +2046,7 @@
           <p:cNvPr id="2" name="日期占位符 1">
             <a:extLst>
               <a:ext uri="{FF2B5EF4-FFF2-40B4-BE49-F238E27FC236}">
-                <a16:creationId xmlns:a16="http://schemas.microsoft.com/office/drawing/2014/main" id="{C877C08E-0674-7F18-E739-E84ED4578562}"/>
+                <a16:creationId xmlns:a16="http://schemas.microsoft.com/office/drawing/2014/main" id="{F3CD3F93-1AC5-9D4C-B078-5E3AB62A82D1}"/>
               </a:ext>
             </a:extLst>
           </p:cNvPr>
@@ -2062,7 +2062,7 @@
           <a:bodyPr/>
           <a:lstStyle/>
           <a:p>
-            <a:fld id="{66846633-0E01-41C4-B6CE-CF45105F172D}" type="datetimeFigureOut">
+            <a:fld id="{540C14F8-E56C-4B48-BC40-9E6746E24A12}" type="datetimeFigureOut">
               <a:rPr lang="zh-CN" altLang="en-US" smtClean="0"/>
               <a:t>2024/3/10</a:t>
             </a:fld>
@@ -2075,7 +2075,7 @@
           <p:cNvPr id="3" name="页脚占位符 2">
             <a:extLst>
               <a:ext uri="{FF2B5EF4-FFF2-40B4-BE49-F238E27FC236}">
-                <a16:creationId xmlns:a16="http://schemas.microsoft.com/office/drawing/2014/main" id="{E18F40D3-556C-35A6-CA48-148D43129B29}"/>
+                <a16:creationId xmlns:a16="http://schemas.microsoft.com/office/drawing/2014/main" id="{06C23F32-BF8B-C5BD-13F3-2EDC388A1786}"/>
               </a:ext>
             </a:extLst>
           </p:cNvPr>
@@ -2100,7 +2100,7 @@
           <p:cNvPr id="4" name="灯片编号占位符 3">
             <a:extLst>
               <a:ext uri="{FF2B5EF4-FFF2-40B4-BE49-F238E27FC236}">
-                <a16:creationId xmlns:a16="http://schemas.microsoft.com/office/drawing/2014/main" id="{95F3D788-380D-C9E7-C3B8-070BF514ED68}"/>
+                <a16:creationId xmlns:a16="http://schemas.microsoft.com/office/drawing/2014/main" id="{EEFE40B4-3C55-6CD6-DAE0-6A2F2F14ACAF}"/>
               </a:ext>
             </a:extLst>
           </p:cNvPr>
@@ -2116,7 +2116,7 @@
           <a:bodyPr/>
           <a:lstStyle/>
           <a:p>
-            <a:fld id="{64AC0901-E978-4690-99E5-D383F0503CE9}" type="slidenum">
+            <a:fld id="{C0BEF2F8-42CC-48D7-88BA-B73F99EC0E67}" type="slidenum">
               <a:rPr lang="zh-CN" altLang="en-US" smtClean="0"/>
               <a:t>‹#›</a:t>
             </a:fld>
@@ -2127,7 +2127,7 @@
     </p:spTree>
     <p:extLst>
       <p:ext uri="{BB962C8B-B14F-4D97-AF65-F5344CB8AC3E}">
-        <p14:creationId xmlns:p14="http://schemas.microsoft.com/office/powerpoint/2010/main" val="2369414555"/>
+        <p14:creationId xmlns:p14="http://schemas.microsoft.com/office/powerpoint/2010/main" val="3953640661"/>
       </p:ext>
     </p:extLst>
   </p:cSld>
@@ -2159,7 +2159,7 @@
           <p:cNvPr id="2" name="标题 1">
             <a:extLst>
               <a:ext uri="{FF2B5EF4-FFF2-40B4-BE49-F238E27FC236}">
-                <a16:creationId xmlns:a16="http://schemas.microsoft.com/office/drawing/2014/main" id="{D52C9E01-D173-E762-FE51-B106452E0780}"/>
+                <a16:creationId xmlns:a16="http://schemas.microsoft.com/office/drawing/2014/main" id="{68015E4A-992E-7E79-CD04-FFAAE8B90409}"/>
               </a:ext>
             </a:extLst>
           </p:cNvPr>
@@ -2196,7 +2196,7 @@
           <p:cNvPr id="3" name="内容占位符 2">
             <a:extLst>
               <a:ext uri="{FF2B5EF4-FFF2-40B4-BE49-F238E27FC236}">
-                <a16:creationId xmlns:a16="http://schemas.microsoft.com/office/drawing/2014/main" id="{3C4C2CC9-3F31-84BD-1B40-9BB0792ABEBD}"/>
+                <a16:creationId xmlns:a16="http://schemas.microsoft.com/office/drawing/2014/main" id="{A8FA410C-A636-FAF9-99BF-1140625AE64E}"/>
               </a:ext>
             </a:extLst>
           </p:cNvPr>
@@ -2286,7 +2286,7 @@
           <p:cNvPr id="4" name="文本占位符 3">
             <a:extLst>
               <a:ext uri="{FF2B5EF4-FFF2-40B4-BE49-F238E27FC236}">
-                <a16:creationId xmlns:a16="http://schemas.microsoft.com/office/drawing/2014/main" id="{D5710A5B-873C-39C0-3D71-EE5CC1AC0F26}"/>
+                <a16:creationId xmlns:a16="http://schemas.microsoft.com/office/drawing/2014/main" id="{A81F46C7-52EB-05BB-A1A3-9C2A0E1F73EB}"/>
               </a:ext>
             </a:extLst>
           </p:cNvPr>
@@ -2357,7 +2357,7 @@
           <p:cNvPr id="5" name="日期占位符 4">
             <a:extLst>
               <a:ext uri="{FF2B5EF4-FFF2-40B4-BE49-F238E27FC236}">
-                <a16:creationId xmlns:a16="http://schemas.microsoft.com/office/drawing/2014/main" id="{D3DB97C3-A8FF-3A64-9679-9BCDFCC1F8E2}"/>
+                <a16:creationId xmlns:a16="http://schemas.microsoft.com/office/drawing/2014/main" id="{BDF7390F-55A8-EA19-2CE3-099355C0B9D1}"/>
               </a:ext>
             </a:extLst>
           </p:cNvPr>
@@ -2373,7 +2373,7 @@
           <a:bodyPr/>
           <a:lstStyle/>
           <a:p>
-            <a:fld id="{66846633-0E01-41C4-B6CE-CF45105F172D}" type="datetimeFigureOut">
+            <a:fld id="{540C14F8-E56C-4B48-BC40-9E6746E24A12}" type="datetimeFigureOut">
               <a:rPr lang="zh-CN" altLang="en-US" smtClean="0"/>
               <a:t>2024/3/10</a:t>
             </a:fld>
@@ -2386,7 +2386,7 @@
           <p:cNvPr id="6" name="页脚占位符 5">
             <a:extLst>
               <a:ext uri="{FF2B5EF4-FFF2-40B4-BE49-F238E27FC236}">
-                <a16:creationId xmlns:a16="http://schemas.microsoft.com/office/drawing/2014/main" id="{297BBA3F-E1D7-5419-45E4-471270DD5408}"/>
+                <a16:creationId xmlns:a16="http://schemas.microsoft.com/office/drawing/2014/main" id="{3316B6FC-CD85-720A-E475-FB04AAA488BC}"/>
               </a:ext>
             </a:extLst>
           </p:cNvPr>
@@ -2411,7 +2411,7 @@
           <p:cNvPr id="7" name="灯片编号占位符 6">
             <a:extLst>
               <a:ext uri="{FF2B5EF4-FFF2-40B4-BE49-F238E27FC236}">
-                <a16:creationId xmlns:a16="http://schemas.microsoft.com/office/drawing/2014/main" id="{5848A35D-38E0-4E07-A980-FAF9E6E0EF63}"/>
+                <a16:creationId xmlns:a16="http://schemas.microsoft.com/office/drawing/2014/main" id="{E7BE65DF-79CE-4B70-4A13-9D4176B4A579}"/>
               </a:ext>
             </a:extLst>
           </p:cNvPr>
@@ -2427,7 +2427,7 @@
           <a:bodyPr/>
           <a:lstStyle/>
           <a:p>
-            <a:fld id="{64AC0901-E978-4690-99E5-D383F0503CE9}" type="slidenum">
+            <a:fld id="{C0BEF2F8-42CC-48D7-88BA-B73F99EC0E67}" type="slidenum">
               <a:rPr lang="zh-CN" altLang="en-US" smtClean="0"/>
               <a:t>‹#›</a:t>
             </a:fld>
@@ -2438,7 +2438,7 @@
     </p:spTree>
     <p:extLst>
       <p:ext uri="{BB962C8B-B14F-4D97-AF65-F5344CB8AC3E}">
-        <p14:creationId xmlns:p14="http://schemas.microsoft.com/office/powerpoint/2010/main" val="4251608930"/>
+        <p14:creationId xmlns:p14="http://schemas.microsoft.com/office/powerpoint/2010/main" val="321307227"/>
       </p:ext>
     </p:extLst>
   </p:cSld>
@@ -2470,7 +2470,7 @@
           <p:cNvPr id="2" name="标题 1">
             <a:extLst>
               <a:ext uri="{FF2B5EF4-FFF2-40B4-BE49-F238E27FC236}">
-                <a16:creationId xmlns:a16="http://schemas.microsoft.com/office/drawing/2014/main" id="{DACA2993-BDF2-601A-9194-A7C8102E5661}"/>
+                <a16:creationId xmlns:a16="http://schemas.microsoft.com/office/drawing/2014/main" id="{CFC8A070-83F8-8493-A030-36F4F85E71E0}"/>
               </a:ext>
             </a:extLst>
           </p:cNvPr>
@@ -2507,7 +2507,7 @@
           <p:cNvPr id="3" name="图片占位符 2">
             <a:extLst>
               <a:ext uri="{FF2B5EF4-FFF2-40B4-BE49-F238E27FC236}">
-                <a16:creationId xmlns:a16="http://schemas.microsoft.com/office/drawing/2014/main" id="{45E8D76D-54AD-0EA5-1395-E2D8FFF9D30C}"/>
+                <a16:creationId xmlns:a16="http://schemas.microsoft.com/office/drawing/2014/main" id="{4BB22FED-8128-179B-D103-BB4AB2D44A24}"/>
               </a:ext>
             </a:extLst>
           </p:cNvPr>
@@ -2574,7 +2574,7 @@
           <p:cNvPr id="4" name="文本占位符 3">
             <a:extLst>
               <a:ext uri="{FF2B5EF4-FFF2-40B4-BE49-F238E27FC236}">
-                <a16:creationId xmlns:a16="http://schemas.microsoft.com/office/drawing/2014/main" id="{C31460EE-66E0-D327-0565-50886C8C4024}"/>
+                <a16:creationId xmlns:a16="http://schemas.microsoft.com/office/drawing/2014/main" id="{E50E4416-262B-FBD3-0F77-CD029BAF4E3E}"/>
               </a:ext>
             </a:extLst>
           </p:cNvPr>
@@ -2645,7 +2645,7 @@
           <p:cNvPr id="5" name="日期占位符 4">
             <a:extLst>
               <a:ext uri="{FF2B5EF4-FFF2-40B4-BE49-F238E27FC236}">
-                <a16:creationId xmlns:a16="http://schemas.microsoft.com/office/drawing/2014/main" id="{40F6B474-BB84-8754-410D-61E424FCF112}"/>
+                <a16:creationId xmlns:a16="http://schemas.microsoft.com/office/drawing/2014/main" id="{63E59D09-0490-826B-9163-7CB054A86971}"/>
               </a:ext>
             </a:extLst>
           </p:cNvPr>
@@ -2661,7 +2661,7 @@
           <a:bodyPr/>
           <a:lstStyle/>
           <a:p>
-            <a:fld id="{66846633-0E01-41C4-B6CE-CF45105F172D}" type="datetimeFigureOut">
+            <a:fld id="{540C14F8-E56C-4B48-BC40-9E6746E24A12}" type="datetimeFigureOut">
               <a:rPr lang="zh-CN" altLang="en-US" smtClean="0"/>
               <a:t>2024/3/10</a:t>
             </a:fld>
@@ -2674,7 +2674,7 @@
           <p:cNvPr id="6" name="页脚占位符 5">
             <a:extLst>
               <a:ext uri="{FF2B5EF4-FFF2-40B4-BE49-F238E27FC236}">
-                <a16:creationId xmlns:a16="http://schemas.microsoft.com/office/drawing/2014/main" id="{E47179EA-97D9-C65C-6D65-A0B63B733337}"/>
+                <a16:creationId xmlns:a16="http://schemas.microsoft.com/office/drawing/2014/main" id="{F0B6BE3E-C603-6F60-AE22-8DB27A8D766A}"/>
               </a:ext>
             </a:extLst>
           </p:cNvPr>
@@ -2699,7 +2699,7 @@
           <p:cNvPr id="7" name="灯片编号占位符 6">
             <a:extLst>
               <a:ext uri="{FF2B5EF4-FFF2-40B4-BE49-F238E27FC236}">
-                <a16:creationId xmlns:a16="http://schemas.microsoft.com/office/drawing/2014/main" id="{A99ED440-85EC-A5AF-0A1A-E1862E915BEF}"/>
+                <a16:creationId xmlns:a16="http://schemas.microsoft.com/office/drawing/2014/main" id="{12262FD8-B8F2-3B9D-C387-63ABC594B729}"/>
               </a:ext>
             </a:extLst>
           </p:cNvPr>
@@ -2715,7 +2715,7 @@
           <a:bodyPr/>
           <a:lstStyle/>
           <a:p>
-            <a:fld id="{64AC0901-E978-4690-99E5-D383F0503CE9}" type="slidenum">
+            <a:fld id="{C0BEF2F8-42CC-48D7-88BA-B73F99EC0E67}" type="slidenum">
               <a:rPr lang="zh-CN" altLang="en-US" smtClean="0"/>
               <a:t>‹#›</a:t>
             </a:fld>
@@ -2726,7 +2726,7 @@
     </p:spTree>
     <p:extLst>
       <p:ext uri="{BB962C8B-B14F-4D97-AF65-F5344CB8AC3E}">
-        <p14:creationId xmlns:p14="http://schemas.microsoft.com/office/powerpoint/2010/main" val="3975762816"/>
+        <p14:creationId xmlns:p14="http://schemas.microsoft.com/office/powerpoint/2010/main" val="2666521289"/>
       </p:ext>
     </p:extLst>
   </p:cSld>
@@ -2763,7 +2763,7 @@
           <p:cNvPr id="2" name="标题占位符 1">
             <a:extLst>
               <a:ext uri="{FF2B5EF4-FFF2-40B4-BE49-F238E27FC236}">
-                <a16:creationId xmlns:a16="http://schemas.microsoft.com/office/drawing/2014/main" id="{39472B70-2DEE-A514-B2DC-AB089C817A8F}"/>
+                <a16:creationId xmlns:a16="http://schemas.microsoft.com/office/drawing/2014/main" id="{29AFED65-D5A8-2596-DB72-B45DFBB2AF80}"/>
               </a:ext>
             </a:extLst>
           </p:cNvPr>
@@ -2801,7 +2801,7 @@
           <p:cNvPr id="3" name="文本占位符 2">
             <a:extLst>
               <a:ext uri="{FF2B5EF4-FFF2-40B4-BE49-F238E27FC236}">
-                <a16:creationId xmlns:a16="http://schemas.microsoft.com/office/drawing/2014/main" id="{2F19CBAF-8CE9-BD40-5E03-5B13DA4741E4}"/>
+                <a16:creationId xmlns:a16="http://schemas.microsoft.com/office/drawing/2014/main" id="{A6857449-94AA-3C52-C765-EDCA72880590}"/>
               </a:ext>
             </a:extLst>
           </p:cNvPr>
@@ -2868,7 +2868,7 @@
           <p:cNvPr id="4" name="日期占位符 3">
             <a:extLst>
               <a:ext uri="{FF2B5EF4-FFF2-40B4-BE49-F238E27FC236}">
-                <a16:creationId xmlns:a16="http://schemas.microsoft.com/office/drawing/2014/main" id="{9BD0FE06-D085-A67F-2E9A-D8DDAF1F5E18}"/>
+                <a16:creationId xmlns:a16="http://schemas.microsoft.com/office/drawing/2014/main" id="{1B1F265E-F2A3-924E-80F4-EF109CE03DE0}"/>
               </a:ext>
             </a:extLst>
           </p:cNvPr>
@@ -2902,7 +2902,7 @@
             </a:lvl1pPr>
           </a:lstStyle>
           <a:p>
-            <a:fld id="{66846633-0E01-41C4-B6CE-CF45105F172D}" type="datetimeFigureOut">
+            <a:fld id="{540C14F8-E56C-4B48-BC40-9E6746E24A12}" type="datetimeFigureOut">
               <a:rPr lang="zh-CN" altLang="en-US" smtClean="0"/>
               <a:t>2024/3/10</a:t>
             </a:fld>
@@ -2915,7 +2915,7 @@
           <p:cNvPr id="5" name="页脚占位符 4">
             <a:extLst>
               <a:ext uri="{FF2B5EF4-FFF2-40B4-BE49-F238E27FC236}">
-                <a16:creationId xmlns:a16="http://schemas.microsoft.com/office/drawing/2014/main" id="{83E401B6-FEB9-A497-E6E2-FBD78C69EA3D}"/>
+                <a16:creationId xmlns:a16="http://schemas.microsoft.com/office/drawing/2014/main" id="{2C39952A-71DD-7188-E2CC-EDACDFB4B5A8}"/>
               </a:ext>
             </a:extLst>
           </p:cNvPr>
@@ -2958,7 +2958,7 @@
           <p:cNvPr id="6" name="灯片编号占位符 5">
             <a:extLst>
               <a:ext uri="{FF2B5EF4-FFF2-40B4-BE49-F238E27FC236}">
-                <a16:creationId xmlns:a16="http://schemas.microsoft.com/office/drawing/2014/main" id="{74F0FDC2-5C5A-2E94-24B9-800C5795F1C0}"/>
+                <a16:creationId xmlns:a16="http://schemas.microsoft.com/office/drawing/2014/main" id="{C58463D6-8406-1989-1EF4-C7A4B1DD1EB9}"/>
               </a:ext>
             </a:extLst>
           </p:cNvPr>
@@ -2992,7 +2992,7 @@
             </a:lvl1pPr>
           </a:lstStyle>
           <a:p>
-            <a:fld id="{64AC0901-E978-4690-99E5-D383F0503CE9}" type="slidenum">
+            <a:fld id="{C0BEF2F8-42CC-48D7-88BA-B73F99EC0E67}" type="slidenum">
               <a:rPr lang="zh-CN" altLang="en-US" smtClean="0"/>
               <a:t>‹#›</a:t>
             </a:fld>
@@ -3003,7 +3003,7 @@
     </p:spTree>
     <p:extLst>
       <p:ext uri="{BB962C8B-B14F-4D97-AF65-F5344CB8AC3E}">
-        <p14:creationId xmlns:p14="http://schemas.microsoft.com/office/powerpoint/2010/main" val="1042129739"/>
+        <p14:creationId xmlns:p14="http://schemas.microsoft.com/office/powerpoint/2010/main" val="227847226"/>
       </p:ext>
     </p:extLst>
   </p:cSld>
@@ -3323,7 +3323,7 @@
       </p:grpSpPr>
       <p:pic>
         <p:nvPicPr>
-          <p:cNvPr id="466946" name="Picture 2" descr="455"/>
+          <p:cNvPr id="467970" name="Picture 2" descr="456"/>
           <p:cNvPicPr>
             <a:picLocks noChangeAspect="1" noChangeArrowheads="1"/>
           </p:cNvPicPr>
@@ -3345,7 +3345,7 @@
         <p:spPr bwMode="auto">
           <a:xfrm>
             <a:off x="1524000" y="0"/>
-            <a:ext cx="9144000" cy="6858000"/>
+            <a:ext cx="9144000" cy="6237288"/>
           </a:xfrm>
           <a:prstGeom prst="rect">
             <a:avLst/>
@@ -3375,11 +3375,158 @@
           </a:extLst>
         </p:spPr>
       </p:pic>
+      <p:pic>
+        <p:nvPicPr>
+          <p:cNvPr id="468995" name="Picture 3" descr="456-2"/>
+          <p:cNvPicPr>
+            <a:picLocks noChangeAspect="1" noChangeArrowheads="1"/>
+          </p:cNvPicPr>
+          <p:nvPr/>
+        </p:nvPicPr>
+        <p:blipFill>
+          <a:blip r:embed="rId3">
+            <a:extLst>
+              <a:ext uri="{28A0092B-C50C-407E-A947-70E740481C1C}">
+                <a14:useLocalDpi xmlns:a14="http://schemas.microsoft.com/office/drawing/2010/main" val="0"/>
+              </a:ext>
+            </a:extLst>
+          </a:blip>
+          <a:srcRect/>
+          <a:stretch>
+            <a:fillRect/>
+          </a:stretch>
+        </p:blipFill>
+        <p:spPr bwMode="auto">
+          <a:xfrm>
+            <a:off x="1524000" y="1"/>
+            <a:ext cx="9144000" cy="6308725"/>
+          </a:xfrm>
+          <a:prstGeom prst="rect">
+            <a:avLst/>
+          </a:prstGeom>
+          <a:noFill/>
+          <a:ln>
+            <a:noFill/>
+          </a:ln>
+          <a:effectLst/>
+          <a:extLst>
+            <a:ext uri="{909E8E84-426E-40DD-AFC4-6F175D3DCCD1}">
+              <a14:hiddenFill xmlns:a14="http://schemas.microsoft.com/office/drawing/2010/main">
+                <a:solidFill>
+                  <a:srgbClr val="FFFFFF"/>
+                </a:solidFill>
+              </a14:hiddenFill>
+            </a:ext>
+            <a:ext uri="{91240B29-F687-4F45-9708-019B960494DF}">
+              <a14:hiddenLine xmlns:a14="http://schemas.microsoft.com/office/drawing/2010/main" w="9525">
+                <a:solidFill>
+                  <a:srgbClr val="000000"/>
+                </a:solidFill>
+                <a:miter lim="800000"/>
+                <a:headEnd/>
+                <a:tailEnd/>
+              </a14:hiddenLine>
+            </a:ext>
+            <a:ext uri="{AF507438-7753-43E0-B8FC-AC1667EBCBE1}">
+              <a14:hiddenEffects xmlns:a14="http://schemas.microsoft.com/office/drawing/2010/main">
+                <a:effectLst>
+                  <a:outerShdw dist="35921" dir="2700000" algn="ctr" rotWithShape="0">
+                    <a:srgbClr val="808080"/>
+                  </a:outerShdw>
+                </a:effectLst>
+              </a14:hiddenEffects>
+            </a:ext>
+          </a:extLst>
+        </p:spPr>
+      </p:pic>
     </p:spTree>
   </p:cSld>
   <p:clrMapOvr>
     <a:masterClrMapping/>
   </p:clrMapOvr>
+  <p:timing>
+    <p:tnLst>
+      <p:par>
+        <p:cTn id="1" dur="indefinite" restart="never" nodeType="tmRoot">
+          <p:childTnLst>
+            <p:seq concurrent="1" nextAc="seek">
+              <p:cTn id="2" dur="indefinite" nodeType="mainSeq">
+                <p:childTnLst>
+                  <p:par>
+                    <p:cTn id="3" fill="hold" nodeType="clickPar">
+                      <p:stCondLst>
+                        <p:cond delay="indefinite"/>
+                      </p:stCondLst>
+                      <p:childTnLst>
+                        <p:par>
+                          <p:cTn id="4" fill="hold" nodeType="withGroup">
+                            <p:stCondLst>
+                              <p:cond delay="0"/>
+                            </p:stCondLst>
+                            <p:childTnLst>
+                              <p:par>
+                                <p:cTn id="5" presetID="10" presetClass="entr" presetSubtype="0" fill="hold" nodeType="clickEffect">
+                                  <p:stCondLst>
+                                    <p:cond delay="0"/>
+                                  </p:stCondLst>
+                                  <p:childTnLst>
+                                    <p:set>
+                                      <p:cBhvr>
+                                        <p:cTn id="6" dur="1" fill="hold">
+                                          <p:stCondLst>
+                                            <p:cond delay="0"/>
+                                          </p:stCondLst>
+                                        </p:cTn>
+                                        <p:tgtEl>
+                                          <p:spTgt spid="468995"/>
+                                        </p:tgtEl>
+                                        <p:attrNameLst>
+                                          <p:attrName>style.visibility</p:attrName>
+                                        </p:attrNameLst>
+                                      </p:cBhvr>
+                                      <p:to>
+                                        <p:strVal val="visible"/>
+                                      </p:to>
+                                    </p:set>
+                                    <p:animEffect transition="in" filter="fade">
+                                      <p:cBhvr>
+                                        <p:cTn id="7" dur="500"/>
+                                        <p:tgtEl>
+                                          <p:spTgt spid="468995"/>
+                                        </p:tgtEl>
+                                      </p:cBhvr>
+                                    </p:animEffect>
+                                  </p:childTnLst>
+                                </p:cTn>
+                              </p:par>
+                            </p:childTnLst>
+                          </p:cTn>
+                        </p:par>
+                      </p:childTnLst>
+                    </p:cTn>
+                  </p:par>
+                </p:childTnLst>
+              </p:cTn>
+              <p:prevCondLst>
+                <p:cond evt="onPrev" delay="0">
+                  <p:tgtEl>
+                    <p:sldTgt/>
+                  </p:tgtEl>
+                </p:cond>
+              </p:prevCondLst>
+              <p:nextCondLst>
+                <p:cond evt="onNext" delay="0">
+                  <p:tgtEl>
+                    <p:sldTgt/>
+                  </p:tgtEl>
+                </p:cond>
+              </p:nextCondLst>
+            </p:seq>
+          </p:childTnLst>
+        </p:cTn>
+      </p:par>
+    </p:tnLst>
+  </p:timing>
 </p:sld>
 </file>
 
